--- a/Proyecto/Montículo Binario.pptx
+++ b/Proyecto/Montículo Binario.pptx
@@ -8,9 +8,10 @@
     <p:sldId id="256" r:id="rId2"/>
     <p:sldId id="257" r:id="rId3"/>
     <p:sldId id="261" r:id="rId4"/>
-    <p:sldId id="259" r:id="rId5"/>
-    <p:sldId id="260" r:id="rId6"/>
-    <p:sldId id="258" r:id="rId7"/>
+    <p:sldId id="262" r:id="rId5"/>
+    <p:sldId id="259" r:id="rId6"/>
+    <p:sldId id="260" r:id="rId7"/>
+    <p:sldId id="258" r:id="rId8"/>
   </p:sldIdLst>
   <p:sldSz cx="12192000" cy="6858000"/>
   <p:notesSz cx="6858000" cy="9144000"/>
@@ -109,6 +110,11 @@
       </a:defRPr>
     </a:lvl9pPr>
   </p:defaultTextStyle>
+  <p:extLst>
+    <p:ext uri="{EFAFB233-063F-42B5-8137-9DF3F51BA10A}">
+      <p15:sldGuideLst xmlns:p15="http://schemas.microsoft.com/office/powerpoint/2012/main"/>
+    </p:ext>
+  </p:extLst>
 </p:presentation>
 </file>
 
@@ -300,7 +306,7 @@
           <a:p>
             <a:fld id="{BDE2D687-1CC5-41BC-9564-33BC6BEFAA78}" type="datetimeFigureOut">
               <a:rPr lang="en-US" smtClean="0"/>
-              <a:t>11/29/2018</a:t>
+              <a:t>12/1/2018</a:t>
             </a:fld>
             <a:endParaRPr lang="en-US"/>
           </a:p>
@@ -638,7 +644,7 @@
           <a:p>
             <a:fld id="{BDE2D687-1CC5-41BC-9564-33BC6BEFAA78}" type="datetimeFigureOut">
               <a:rPr lang="en-US" smtClean="0"/>
-              <a:t>11/29/2018</a:t>
+              <a:t>12/1/2018</a:t>
             </a:fld>
             <a:endParaRPr lang="en-US"/>
           </a:p>
@@ -1039,7 +1045,7 @@
           <a:p>
             <a:fld id="{BDE2D687-1CC5-41BC-9564-33BC6BEFAA78}" type="datetimeFigureOut">
               <a:rPr lang="en-US" smtClean="0"/>
-              <a:t>11/29/2018</a:t>
+              <a:t>12/1/2018</a:t>
             </a:fld>
             <a:endParaRPr lang="en-US"/>
           </a:p>
@@ -1375,7 +1381,7 @@
           <a:p>
             <a:fld id="{BDE2D687-1CC5-41BC-9564-33BC6BEFAA78}" type="datetimeFigureOut">
               <a:rPr lang="en-US" smtClean="0"/>
-              <a:t>11/29/2018</a:t>
+              <a:t>12/1/2018</a:t>
             </a:fld>
             <a:endParaRPr lang="en-US"/>
           </a:p>
@@ -1695,7 +1701,7 @@
           <a:p>
             <a:fld id="{BDE2D687-1CC5-41BC-9564-33BC6BEFAA78}" type="datetimeFigureOut">
               <a:rPr lang="en-US" smtClean="0"/>
-              <a:t>11/29/2018</a:t>
+              <a:t>12/1/2018</a:t>
             </a:fld>
             <a:endParaRPr lang="en-US"/>
           </a:p>
@@ -2091,7 +2097,7 @@
           <a:p>
             <a:fld id="{BDE2D687-1CC5-41BC-9564-33BC6BEFAA78}" type="datetimeFigureOut">
               <a:rPr lang="en-US" smtClean="0"/>
-              <a:t>11/29/2018</a:t>
+              <a:t>12/1/2018</a:t>
             </a:fld>
             <a:endParaRPr lang="en-US"/>
           </a:p>
@@ -2348,7 +2354,7 @@
           <a:p>
             <a:fld id="{BDE2D687-1CC5-41BC-9564-33BC6BEFAA78}" type="datetimeFigureOut">
               <a:rPr lang="en-US" smtClean="0"/>
-              <a:t>11/29/2018</a:t>
+              <a:t>12/1/2018</a:t>
             </a:fld>
             <a:endParaRPr lang="en-US"/>
           </a:p>
@@ -2610,7 +2616,7 @@
           <a:p>
             <a:fld id="{BDE2D687-1CC5-41BC-9564-33BC6BEFAA78}" type="datetimeFigureOut">
               <a:rPr lang="en-US" smtClean="0"/>
-              <a:t>11/29/2018</a:t>
+              <a:t>12/1/2018</a:t>
             </a:fld>
             <a:endParaRPr lang="en-US"/>
           </a:p>
@@ -2872,7 +2878,7 @@
           <a:p>
             <a:fld id="{BDE2D687-1CC5-41BC-9564-33BC6BEFAA78}" type="datetimeFigureOut">
               <a:rPr lang="en-US" smtClean="0"/>
-              <a:t>11/29/2018</a:t>
+              <a:t>12/1/2018</a:t>
             </a:fld>
             <a:endParaRPr lang="en-US"/>
           </a:p>
@@ -3201,7 +3207,7 @@
           <a:p>
             <a:fld id="{BDE2D687-1CC5-41BC-9564-33BC6BEFAA78}" type="datetimeFigureOut">
               <a:rPr lang="en-US" smtClean="0"/>
-              <a:t>11/29/2018</a:t>
+              <a:t>12/1/2018</a:t>
             </a:fld>
             <a:endParaRPr lang="en-US"/>
           </a:p>
@@ -3524,7 +3530,7 @@
           <a:p>
             <a:fld id="{BDE2D687-1CC5-41BC-9564-33BC6BEFAA78}" type="datetimeFigureOut">
               <a:rPr lang="en-US" smtClean="0"/>
-              <a:t>11/29/2018</a:t>
+              <a:t>12/1/2018</a:t>
             </a:fld>
             <a:endParaRPr lang="en-US"/>
           </a:p>
@@ -3981,7 +3987,7 @@
           <a:p>
             <a:fld id="{BDE2D687-1CC5-41BC-9564-33BC6BEFAA78}" type="datetimeFigureOut">
               <a:rPr lang="en-US" smtClean="0"/>
-              <a:t>11/29/2018</a:t>
+              <a:t>12/1/2018</a:t>
             </a:fld>
             <a:endParaRPr lang="en-US"/>
           </a:p>
@@ -4186,7 +4192,7 @@
           <a:p>
             <a:fld id="{BDE2D687-1CC5-41BC-9564-33BC6BEFAA78}" type="datetimeFigureOut">
               <a:rPr lang="en-US" smtClean="0"/>
-              <a:t>11/29/2018</a:t>
+              <a:t>12/1/2018</a:t>
             </a:fld>
             <a:endParaRPr lang="en-US"/>
           </a:p>
@@ -4363,7 +4369,7 @@
           <a:p>
             <a:fld id="{BDE2D687-1CC5-41BC-9564-33BC6BEFAA78}" type="datetimeFigureOut">
               <a:rPr lang="en-US" smtClean="0"/>
-              <a:t>11/29/2018</a:t>
+              <a:t>12/1/2018</a:t>
             </a:fld>
             <a:endParaRPr lang="en-US"/>
           </a:p>
@@ -4696,7 +4702,7 @@
           <a:p>
             <a:fld id="{BDE2D687-1CC5-41BC-9564-33BC6BEFAA78}" type="datetimeFigureOut">
               <a:rPr lang="en-US" smtClean="0"/>
-              <a:t>11/29/2018</a:t>
+              <a:t>12/1/2018</a:t>
             </a:fld>
             <a:endParaRPr lang="en-US"/>
           </a:p>
@@ -5041,7 +5047,7 @@
           <a:p>
             <a:fld id="{BDE2D687-1CC5-41BC-9564-33BC6BEFAA78}" type="datetimeFigureOut">
               <a:rPr lang="en-US" smtClean="0"/>
-              <a:t>11/29/2018</a:t>
+              <a:t>12/1/2018</a:t>
             </a:fld>
             <a:endParaRPr lang="en-US"/>
           </a:p>
@@ -7158,7 +7164,7 @@
           <a:p>
             <a:fld id="{BDE2D687-1CC5-41BC-9564-33BC6BEFAA78}" type="datetimeFigureOut">
               <a:rPr lang="en-US" smtClean="0"/>
-              <a:t>11/29/2018</a:t>
+              <a:t>12/1/2018</a:t>
             </a:fld>
             <a:endParaRPr lang="en-US"/>
           </a:p>
@@ -7732,6 +7738,13 @@
   <p:clrMapOvr>
     <a:masterClrMapping/>
   </p:clrMapOvr>
+  <p:timing>
+    <p:tnLst>
+      <p:par>
+        <p:cTn id="1" dur="indefinite" restart="never" nodeType="tmRoot"/>
+      </p:par>
+    </p:tnLst>
+  </p:timing>
 </p:sld>
 </file>
 
@@ -7827,7 +7840,15 @@
           <a:p>
             <a:r>
               <a:rPr lang="es-ES" dirty="0" smtClean="0"/>
-              <a:t>Propiedad Estructural: Es </a:t>
+              <a:t>Propiedad Estructural: </a:t>
+            </a:r>
+            <a:r>
+              <a:rPr lang="es-ES" dirty="0" smtClean="0"/>
+              <a:t>Es</a:t>
+            </a:r>
+            <a:r>
+              <a:rPr lang="es-ES" dirty="0" smtClean="0"/>
+              <a:t> </a:t>
             </a:r>
             <a:r>
               <a:rPr lang="es-ES" dirty="0"/>
@@ -7910,6 +7931,13 @@
   <p:clrMapOvr>
     <a:masterClrMapping/>
   </p:clrMapOvr>
+  <p:timing>
+    <p:tnLst>
+      <p:par>
+        <p:cTn id="1" dur="indefinite" restart="never" nodeType="tmRoot"/>
+      </p:par>
+    </p:tnLst>
+  </p:timing>
 </p:sld>
 </file>
 
@@ -7989,8 +8017,8 @@
         </p:nvSpPr>
         <p:spPr>
           <a:xfrm>
-            <a:off x="1770606" y="1410789"/>
-            <a:ext cx="8915400" cy="3777622"/>
+            <a:off x="1770606" y="1410788"/>
+            <a:ext cx="8915400" cy="5172891"/>
           </a:xfrm>
         </p:spPr>
         <p:txBody>
@@ -8026,11 +8054,50 @@
             </a:r>
             <a:r>
               <a:rPr lang="es-ES" b="1" dirty="0"/>
-              <a:t>árbol binario completo</a:t>
+              <a:t>árbol binario </a:t>
+            </a:r>
+            <a:r>
+              <a:rPr lang="es-ES" b="1" dirty="0" smtClean="0"/>
+              <a:t>completo</a:t>
+            </a:r>
+            <a:r>
+              <a:rPr lang="es-ES" dirty="0" smtClean="0"/>
+              <a:t>.</a:t>
             </a:r>
             <a:r>
               <a:rPr lang="es-ES" dirty="0"/>
+              <a:t> </a:t>
+            </a:r>
+            <a:r>
+              <a:rPr lang="es-ES" dirty="0" smtClean="0"/>
+              <a:t>La </a:t>
+            </a:r>
+            <a:r>
+              <a:rPr lang="es-ES" dirty="0"/>
+              <a:t>excepción a esta regla es el nivel inferior del árbol, el cual llenamos de izquierda a derecha</a:t>
+            </a:r>
+            <a:r>
+              <a:rPr lang="es-ES" dirty="0" smtClean="0"/>
               <a:t>.</a:t>
+            </a:r>
+          </a:p>
+          <a:p>
+            <a:pPr marL="0" indent="0">
+              <a:buNone/>
+            </a:pPr>
+            <a:endParaRPr lang="es-ES" dirty="0"/>
+          </a:p>
+          <a:p>
+            <a:pPr marL="0" indent="0">
+              <a:buNone/>
+            </a:pPr>
+            <a:r>
+              <a:rPr lang="es-ES" dirty="0" smtClean="0"/>
+              <a:t>Debido a que el árbol se puede representar usando una sola lista y esta completo, el hijo izquierdo est</a:t>
+            </a:r>
+            <a:r>
+              <a:rPr lang="es-ES" dirty="0" smtClean="0"/>
+              <a:t>a en la posición 2p mientras el hijo derecho esta en la posición 2p +1 en la lista. Mientras un nodo esta en la posición “n” su padre estará en la posición n/2. </a:t>
             </a:r>
             <a:endParaRPr lang="es-ES" dirty="0" smtClean="0"/>
           </a:p>
@@ -8046,6 +8113,13 @@
   <p:clrMapOvr>
     <a:masterClrMapping/>
   </p:clrMapOvr>
+  <p:timing>
+    <p:tnLst>
+      <p:par>
+        <p:cTn id="1" dur="indefinite" restart="never" nodeType="tmRoot"/>
+      </p:par>
+    </p:tnLst>
+  </p:timing>
 </p:sld>
 </file>
 
@@ -8078,7 +8152,7 @@
         </p:nvSpPr>
         <p:spPr>
           <a:xfrm>
-            <a:off x="1800445" y="624110"/>
+            <a:off x="1739485" y="624110"/>
             <a:ext cx="8911687" cy="1280890"/>
           </a:xfrm>
         </p:spPr>
@@ -8087,9 +8161,12 @@
           <a:lstStyle/>
           <a:p>
             <a:r>
-              <a:rPr lang="es-PE" dirty="0" smtClean="0"/>
-              <a:t>Operaciones de Montículos Binarios</a:t>
-            </a:r>
+              <a:rPr lang="es-ES" dirty="0"/>
+              <a:t>La propiedad de orden del montículo</a:t>
+            </a:r>
+            <a:br>
+              <a:rPr lang="es-ES" dirty="0"/>
+            </a:br>
             <a:endParaRPr lang="en-US" dirty="0"/>
           </a:p>
         </p:txBody>
@@ -8106,7 +8183,7 @@
         </p:nvSpPr>
         <p:spPr>
           <a:xfrm>
-            <a:off x="1796732" y="2133600"/>
+            <a:off x="1735772" y="1480457"/>
             <a:ext cx="8915400" cy="3777622"/>
           </a:xfrm>
         </p:spPr>
@@ -8118,117 +8195,76 @@
               <a:buNone/>
             </a:pPr>
             <a:r>
+              <a:rPr lang="es-PE" dirty="0" smtClean="0"/>
+              <a:t>El método que usaremos para almacenar ítems en un montículo depende de la propiedad de orden de montículo: </a:t>
+            </a:r>
+            <a:r>
               <a:rPr lang="es-ES" dirty="0"/>
-              <a:t>Las operaciones básicas que implementaremos para nuestro montículo binario son las siguientes</a:t>
+              <a:t>En un montículo, para cada </a:t>
             </a:r>
             <a:r>
               <a:rPr lang="es-ES" dirty="0" smtClean="0"/>
-              <a:t>:</a:t>
-            </a:r>
-            <a:endParaRPr lang="es-PE" dirty="0" smtClean="0"/>
-          </a:p>
-          <a:p>
-            <a:r>
-              <a:rPr lang="en-US" dirty="0" err="1" smtClean="0"/>
-              <a:t>insertar</a:t>
-            </a:r>
-            <a:r>
-              <a:rPr lang="en-US" dirty="0" smtClean="0"/>
-              <a:t>(</a:t>
-            </a:r>
-            <a:r>
-              <a:rPr lang="en-US" dirty="0" err="1" smtClean="0"/>
-              <a:t>dato</a:t>
-            </a:r>
-            <a:r>
-              <a:rPr lang="en-US" dirty="0" smtClean="0"/>
-              <a:t>)</a:t>
-            </a:r>
-          </a:p>
-          <a:p>
-            <a:r>
-              <a:rPr lang="en-US" dirty="0" err="1" smtClean="0"/>
-              <a:t>eliminar</a:t>
-            </a:r>
-            <a:r>
-              <a:rPr lang="en-US" dirty="0" smtClean="0"/>
-              <a:t>(</a:t>
-            </a:r>
-            <a:r>
-              <a:rPr lang="en-US" dirty="0" err="1" smtClean="0"/>
-              <a:t>dato</a:t>
-            </a:r>
-            <a:r>
-              <a:rPr lang="en-US" dirty="0" smtClean="0"/>
-              <a:t>)</a:t>
-            </a:r>
-          </a:p>
-          <a:p>
-            <a:r>
-              <a:rPr lang="en-US" dirty="0" err="1" smtClean="0"/>
-              <a:t>construirMonticulo</a:t>
-            </a:r>
-            <a:r>
-              <a:rPr lang="en-US" dirty="0" smtClean="0"/>
-              <a:t>(</a:t>
-            </a:r>
-            <a:r>
-              <a:rPr lang="en-US" dirty="0" err="1" smtClean="0"/>
-              <a:t>unaLista</a:t>
-            </a:r>
-            <a:r>
-              <a:rPr lang="en-US" dirty="0" smtClean="0"/>
-              <a:t>)</a:t>
-            </a:r>
-          </a:p>
-          <a:p>
-            <a:r>
-              <a:rPr lang="en-US" dirty="0" err="1"/>
-              <a:t>incrementarLlave</a:t>
-            </a:r>
-            <a:r>
-              <a:rPr lang="en-US" dirty="0"/>
-              <a:t>(</a:t>
-            </a:r>
-            <a:r>
-              <a:rPr lang="en-US" dirty="0" err="1"/>
-              <a:t>dato,cant</a:t>
-            </a:r>
-            <a:r>
-              <a:rPr lang="en-US" dirty="0" smtClean="0"/>
-              <a:t>)</a:t>
-            </a:r>
-          </a:p>
-          <a:p>
-            <a:r>
-              <a:rPr lang="en-US" dirty="0" err="1" smtClean="0"/>
-              <a:t>decrementarLlave</a:t>
-            </a:r>
-            <a:r>
-              <a:rPr lang="en-US" dirty="0" smtClean="0"/>
-              <a:t>(</a:t>
-            </a:r>
-            <a:r>
-              <a:rPr lang="en-US" dirty="0" err="1" smtClean="0"/>
-              <a:t>dato,cant</a:t>
-            </a:r>
-            <a:r>
-              <a:rPr lang="en-US" dirty="0"/>
-              <a:t>)</a:t>
-            </a:r>
-          </a:p>
-        </p:txBody>
-      </p:sp>
+              <a:t>nodo X con padre P, la clave P es menor o igual que la clave X(y viceversa en el caso de un montículo </a:t>
+            </a:r>
+            <a:r>
+              <a:rPr lang="es-ES" dirty="0" err="1" smtClean="0"/>
+              <a:t>maximal</a:t>
+            </a:r>
+            <a:r>
+              <a:rPr lang="es-ES" dirty="0" smtClean="0"/>
+              <a:t>). </a:t>
+            </a:r>
+            <a:endParaRPr lang="en-US" dirty="0"/>
+          </a:p>
+        </p:txBody>
+      </p:sp>
+      <p:pic>
+        <p:nvPicPr>
+          <p:cNvPr id="5" name="Imagen 4"/>
+          <p:cNvPicPr>
+            <a:picLocks noChangeAspect="1"/>
+          </p:cNvPicPr>
+          <p:nvPr/>
+        </p:nvPicPr>
+        <p:blipFill>
+          <a:blip r:embed="rId2">
+            <a:extLst>
+              <a:ext uri="{28A0092B-C50C-407E-A947-70E740481C1C}">
+                <a14:useLocalDpi xmlns:a14="http://schemas.microsoft.com/office/drawing/2010/main" val="0"/>
+              </a:ext>
+            </a:extLst>
+          </a:blip>
+          <a:stretch>
+            <a:fillRect/>
+          </a:stretch>
+        </p:blipFill>
+        <p:spPr>
+          <a:xfrm>
+            <a:off x="3319865" y="2761347"/>
+            <a:ext cx="5747214" cy="3913681"/>
+          </a:xfrm>
+          <a:prstGeom prst="rect">
+            <a:avLst/>
+          </a:prstGeom>
+        </p:spPr>
+      </p:pic>
     </p:spTree>
     <p:extLst>
       <p:ext uri="{BB962C8B-B14F-4D97-AF65-F5344CB8AC3E}">
-        <p14:creationId xmlns:p14="http://schemas.microsoft.com/office/powerpoint/2010/main" val="3095858377"/>
+        <p14:creationId xmlns:p14="http://schemas.microsoft.com/office/powerpoint/2010/main" val="380895792"/>
       </p:ext>
     </p:extLst>
   </p:cSld>
   <p:clrMapOvr>
     <a:masterClrMapping/>
   </p:clrMapOvr>
+  <p:timing>
+    <p:tnLst>
+      <p:par>
+        <p:cTn id="1" dur="indefinite" restart="never" nodeType="tmRoot"/>
+      </p:par>
+    </p:tnLst>
+  </p:timing>
 </p:sld>
 </file>
 
@@ -8261,6 +8297,196 @@
         </p:nvSpPr>
         <p:spPr>
           <a:xfrm>
+            <a:off x="1800445" y="624110"/>
+            <a:ext cx="8911687" cy="1280890"/>
+          </a:xfrm>
+        </p:spPr>
+        <p:txBody>
+          <a:bodyPr/>
+          <a:lstStyle/>
+          <a:p>
+            <a:r>
+              <a:rPr lang="es-PE" dirty="0" smtClean="0"/>
+              <a:t>Operaciones de Montículos Binarios</a:t>
+            </a:r>
+            <a:endParaRPr lang="en-US" dirty="0"/>
+          </a:p>
+        </p:txBody>
+      </p:sp>
+      <p:sp>
+        <p:nvSpPr>
+          <p:cNvPr id="3" name="Marcador de contenido 2"/>
+          <p:cNvSpPr>
+            <a:spLocks noGrp="1"/>
+          </p:cNvSpPr>
+          <p:nvPr>
+            <p:ph idx="1"/>
+          </p:nvPr>
+        </p:nvSpPr>
+        <p:spPr>
+          <a:xfrm>
+            <a:off x="1796732" y="2133600"/>
+            <a:ext cx="8915400" cy="3777622"/>
+          </a:xfrm>
+        </p:spPr>
+        <p:txBody>
+          <a:bodyPr/>
+          <a:lstStyle/>
+          <a:p>
+            <a:pPr marL="0" indent="0">
+              <a:buNone/>
+            </a:pPr>
+            <a:r>
+              <a:rPr lang="es-ES" dirty="0"/>
+              <a:t>Las operaciones básicas que implementaremos para nuestro montículo binario son las siguientes</a:t>
+            </a:r>
+            <a:r>
+              <a:rPr lang="es-ES" dirty="0" smtClean="0"/>
+              <a:t>:</a:t>
+            </a:r>
+            <a:endParaRPr lang="es-PE" dirty="0" smtClean="0"/>
+          </a:p>
+          <a:p>
+            <a:r>
+              <a:rPr lang="en-US" dirty="0" err="1" smtClean="0"/>
+              <a:t>insertar</a:t>
+            </a:r>
+            <a:r>
+              <a:rPr lang="en-US" dirty="0" smtClean="0"/>
+              <a:t>(</a:t>
+            </a:r>
+            <a:r>
+              <a:rPr lang="en-US" dirty="0" err="1" smtClean="0"/>
+              <a:t>dato</a:t>
+            </a:r>
+            <a:r>
+              <a:rPr lang="en-US" dirty="0" smtClean="0"/>
+              <a:t>)</a:t>
+            </a:r>
+          </a:p>
+          <a:p>
+            <a:r>
+              <a:rPr lang="en-US" dirty="0" err="1" smtClean="0"/>
+              <a:t>eliminar</a:t>
+            </a:r>
+            <a:r>
+              <a:rPr lang="en-US" dirty="0" smtClean="0"/>
+              <a:t>(</a:t>
+            </a:r>
+            <a:r>
+              <a:rPr lang="en-US" dirty="0" err="1" smtClean="0"/>
+              <a:t>dato</a:t>
+            </a:r>
+            <a:r>
+              <a:rPr lang="en-US" dirty="0" smtClean="0"/>
+              <a:t>)</a:t>
+            </a:r>
+          </a:p>
+          <a:p>
+            <a:r>
+              <a:rPr lang="en-US" dirty="0" err="1" smtClean="0"/>
+              <a:t>construirMonticulo</a:t>
+            </a:r>
+            <a:r>
+              <a:rPr lang="en-US" dirty="0" smtClean="0"/>
+              <a:t>(</a:t>
+            </a:r>
+            <a:r>
+              <a:rPr lang="en-US" dirty="0" err="1" smtClean="0"/>
+              <a:t>unaLista</a:t>
+            </a:r>
+            <a:r>
+              <a:rPr lang="en-US" dirty="0" smtClean="0"/>
+              <a:t>)</a:t>
+            </a:r>
+          </a:p>
+          <a:p>
+            <a:r>
+              <a:rPr lang="en-US" dirty="0" err="1"/>
+              <a:t>incrementarLlave</a:t>
+            </a:r>
+            <a:r>
+              <a:rPr lang="en-US" dirty="0"/>
+              <a:t>(</a:t>
+            </a:r>
+            <a:r>
+              <a:rPr lang="en-US" dirty="0" err="1"/>
+              <a:t>dato,cant</a:t>
+            </a:r>
+            <a:r>
+              <a:rPr lang="en-US" dirty="0" smtClean="0"/>
+              <a:t>)</a:t>
+            </a:r>
+          </a:p>
+          <a:p>
+            <a:r>
+              <a:rPr lang="en-US" dirty="0" err="1" smtClean="0"/>
+              <a:t>decrementarLlave</a:t>
+            </a:r>
+            <a:r>
+              <a:rPr lang="en-US" dirty="0" smtClean="0"/>
+              <a:t>(</a:t>
+            </a:r>
+            <a:r>
+              <a:rPr lang="en-US" dirty="0" err="1" smtClean="0"/>
+              <a:t>dato,cant</a:t>
+            </a:r>
+            <a:r>
+              <a:rPr lang="en-US" dirty="0"/>
+              <a:t>)</a:t>
+            </a:r>
+          </a:p>
+        </p:txBody>
+      </p:sp>
+    </p:spTree>
+    <p:extLst>
+      <p:ext uri="{BB962C8B-B14F-4D97-AF65-F5344CB8AC3E}">
+        <p14:creationId xmlns:p14="http://schemas.microsoft.com/office/powerpoint/2010/main" val="3095858377"/>
+      </p:ext>
+    </p:extLst>
+  </p:cSld>
+  <p:clrMapOvr>
+    <a:masterClrMapping/>
+  </p:clrMapOvr>
+  <p:timing>
+    <p:tnLst>
+      <p:par>
+        <p:cTn id="1" dur="indefinite" restart="never" nodeType="tmRoot"/>
+      </p:par>
+    </p:tnLst>
+  </p:timing>
+</p:sld>
+</file>
+
+<file path=ppt/slides/slide6.xml><?xml version="1.0" encoding="utf-8"?>
+<p:sld xmlns:a="http://schemas.openxmlformats.org/drawingml/2006/main" xmlns:r="http://schemas.openxmlformats.org/officeDocument/2006/relationships" xmlns:p="http://schemas.openxmlformats.org/presentationml/2006/main">
+  <p:cSld>
+    <p:spTree>
+      <p:nvGrpSpPr>
+        <p:cNvPr id="1" name=""/>
+        <p:cNvGrpSpPr/>
+        <p:nvPr/>
+      </p:nvGrpSpPr>
+      <p:grpSpPr>
+        <a:xfrm>
+          <a:off x="0" y="0"/>
+          <a:ext cx="0" cy="0"/>
+          <a:chOff x="0" y="0"/>
+          <a:chExt cx="0" cy="0"/>
+        </a:xfrm>
+      </p:grpSpPr>
+      <p:sp>
+        <p:nvSpPr>
+          <p:cNvPr id="2" name="Título 1"/>
+          <p:cNvSpPr>
+            <a:spLocks noGrp="1"/>
+          </p:cNvSpPr>
+          <p:nvPr>
+            <p:ph type="title"/>
+          </p:nvPr>
+        </p:nvSpPr>
+        <p:spPr>
+          <a:xfrm>
             <a:off x="1835279" y="719904"/>
             <a:ext cx="8911687" cy="1280890"/>
           </a:xfrm>
@@ -8385,10 +8611,17 @@
   <p:clrMapOvr>
     <a:masterClrMapping/>
   </p:clrMapOvr>
+  <p:timing>
+    <p:tnLst>
+      <p:par>
+        <p:cTn id="1" dur="indefinite" restart="never" nodeType="tmRoot"/>
+      </p:par>
+    </p:tnLst>
+  </p:timing>
 </p:sld>
 </file>
 
-<file path=ppt/slides/slide6.xml><?xml version="1.0" encoding="utf-8"?>
+<file path=ppt/slides/slide7.xml><?xml version="1.0" encoding="utf-8"?>
 <p:sld xmlns:a="http://schemas.openxmlformats.org/drawingml/2006/main" xmlns:r="http://schemas.openxmlformats.org/officeDocument/2006/relationships" xmlns:p="http://schemas.openxmlformats.org/presentationml/2006/main">
   <p:cSld>
     <p:spTree>
